--- a/Planning/1-18-2018/Initial Presentation.pptx
+++ b/Planning/1-18-2018/Initial Presentation.pptx
@@ -6750,7 +6750,7 @@
             </a:r>
             <a:r>
               <a:rPr lang="en"/>
-              <a:t>earning Technologies - As a developer, I want to learn new technologies to implement the web app.</a:t>
+              <a:t>earning Technologies - As a developer, I want to learn new technologies to implement the web app so that I can develop the product.</a:t>
             </a:r>
             <a:endParaRPr/>
           </a:p>
@@ -6766,7 +6766,7 @@
             </a:pPr>
             <a:r>
               <a:rPr lang="en"/>
-              <a:t>User Story 2 - Landing Page - As a user, I want a page to summarize the website and login at.</a:t>
+              <a:t>User Story 2 - Landing Page - As a user, I want a landing page to summarize the website and login at so that I can have easy access.</a:t>
             </a:r>
             <a:endParaRPr/>
           </a:p>
@@ -6782,7 +6782,7 @@
             </a:pPr>
             <a:r>
               <a:rPr lang="en"/>
-              <a:t>User Story 3 - User Accounts - As a user, I want an account to save and personalize my board.</a:t>
+              <a:t>User Story 3 - User Accounts - As a user, I want an account so that I can save and personalize my board.</a:t>
             </a:r>
             <a:endParaRPr/>
           </a:p>
@@ -6863,7 +6863,7 @@
         </p:nvSpPr>
         <p:spPr>
           <a:xfrm>
-            <a:off x="471900" y="1919075"/>
+            <a:off x="471896" y="1925614"/>
             <a:ext cx="8222100" cy="2710200"/>
           </a:xfrm>
           <a:prstGeom prst="rect">
@@ -6891,7 +6891,7 @@
             </a:r>
             <a:r>
               <a:rPr lang="en"/>
-              <a:t>Story 4 - Dashboard - As a user, I need a dashboard to navigate between pages.</a:t>
+              <a:t>Story 4 - Dashboard - As a user, I need a dashboard so that I can see all of my application categories.</a:t>
             </a:r>
             <a:endParaRPr/>
           </a:p>
@@ -7547,6 +7547,285 @@
 </file>
 
 <file path=ppt/theme/theme1.xml><?xml version="1.0" encoding="utf-8"?>
+<a:theme xmlns:a="http://schemas.openxmlformats.org/drawingml/2006/main" xmlns:r="http://schemas.openxmlformats.org/officeDocument/2006/relationships" name="Material">
+  <a:themeElements>
+    <a:clrScheme name="Material">
+      <a:dk1>
+        <a:srgbClr val="4285F4"/>
+      </a:dk1>
+      <a:lt1>
+        <a:srgbClr val="FFFFFF"/>
+      </a:lt1>
+      <a:dk2>
+        <a:srgbClr val="424242"/>
+      </a:dk2>
+      <a:lt2>
+        <a:srgbClr val="737373"/>
+      </a:lt2>
+      <a:accent1>
+        <a:srgbClr val="0277BD"/>
+      </a:accent1>
+      <a:accent2>
+        <a:srgbClr val="0F9D58"/>
+      </a:accent2>
+      <a:accent3>
+        <a:srgbClr val="DB4437"/>
+      </a:accent3>
+      <a:accent4>
+        <a:srgbClr val="FAFAFA"/>
+      </a:accent4>
+      <a:accent5>
+        <a:srgbClr val="4FC3F7"/>
+      </a:accent5>
+      <a:accent6>
+        <a:srgbClr val="F4B400"/>
+      </a:accent6>
+      <a:hlink>
+        <a:srgbClr val="4FC3F7"/>
+      </a:hlink>
+      <a:folHlink>
+        <a:srgbClr val="4FC3F7"/>
+      </a:folHlink>
+    </a:clrScheme>
+    <a:fontScheme name="Office">
+      <a:majorFont>
+        <a:latin typeface="Arial"/>
+        <a:ea typeface=""/>
+        <a:cs typeface=""/>
+        <a:font script="Jpan" typeface="ＭＳ Ｐゴシック"/>
+        <a:font script="Hang" typeface="맑은 고딕"/>
+        <a:font script="Hans" typeface="宋体"/>
+        <a:font script="Hant" typeface="新細明體"/>
+        <a:font script="Arab" typeface="Times New Roman"/>
+        <a:font script="Hebr" typeface="Times New Roman"/>
+        <a:font script="Thai" typeface="Angsana New"/>
+        <a:font script="Ethi" typeface="Nyala"/>
+        <a:font script="Beng" typeface="Vrinda"/>
+        <a:font script="Gujr" typeface="Shruti"/>
+        <a:font script="Khmr" typeface="MoolBoran"/>
+        <a:font script="Knda" typeface="Tunga"/>
+        <a:font script="Guru" typeface="Raavi"/>
+        <a:font script="Cans" typeface="Euphemia"/>
+        <a:font script="Cher" typeface="Plantagenet Cherokee"/>
+        <a:font script="Yiii" typeface="Microsoft Yi Baiti"/>
+        <a:font script="Tibt" typeface="Microsoft Himalaya"/>
+        <a:font script="Thaa" typeface="MV Boli"/>
+        <a:font script="Deva" typeface="Mangal"/>
+        <a:font script="Telu" typeface="Gautami"/>
+        <a:font script="Taml" typeface="Latha"/>
+        <a:font script="Syrc" typeface="Estrangelo Edessa"/>
+        <a:font script="Orya" typeface="Kalinga"/>
+        <a:font script="Mlym" typeface="Kartika"/>
+        <a:font script="Laoo" typeface="DokChampa"/>
+        <a:font script="Sinh" typeface="Iskoola Pota"/>
+        <a:font script="Mong" typeface="Mongolian Baiti"/>
+        <a:font script="Viet" typeface="Times New Roman"/>
+        <a:font script="Uigh" typeface="Microsoft Uighur"/>
+        <a:font script="Geor" typeface="Sylfaen"/>
+      </a:majorFont>
+      <a:minorFont>
+        <a:latin typeface="Arial"/>
+        <a:ea typeface=""/>
+        <a:cs typeface=""/>
+        <a:font script="Jpan" typeface="ＭＳ Ｐゴシック"/>
+        <a:font script="Hang" typeface="맑은 고딕"/>
+        <a:font script="Hans" typeface="宋体"/>
+        <a:font script="Hant" typeface="新細明體"/>
+        <a:font script="Arab" typeface="Arial"/>
+        <a:font script="Hebr" typeface="Arial"/>
+        <a:font script="Thai" typeface="Cordia New"/>
+        <a:font script="Ethi" typeface="Nyala"/>
+        <a:font script="Beng" typeface="Vrinda"/>
+        <a:font script="Gujr" typeface="Shruti"/>
+        <a:font script="Khmr" typeface="DaunPenh"/>
+        <a:font script="Knda" typeface="Tunga"/>
+        <a:font script="Guru" typeface="Raavi"/>
+        <a:font script="Cans" typeface="Euphemia"/>
+        <a:font script="Cher" typeface="Plantagenet Cherokee"/>
+        <a:font script="Yiii" typeface="Microsoft Yi Baiti"/>
+        <a:font script="Tibt" typeface="Microsoft Himalaya"/>
+        <a:font script="Thaa" typeface="MV Boli"/>
+        <a:font script="Deva" typeface="Mangal"/>
+        <a:font script="Telu" typeface="Gautami"/>
+        <a:font script="Taml" typeface="Latha"/>
+        <a:font script="Syrc" typeface="Estrangelo Edessa"/>
+        <a:font script="Orya" typeface="Kalinga"/>
+        <a:font script="Mlym" typeface="Kartika"/>
+        <a:font script="Laoo" typeface="DokChampa"/>
+        <a:font script="Sinh" typeface="Iskoola Pota"/>
+        <a:font script="Mong" typeface="Mongolian Baiti"/>
+        <a:font script="Viet" typeface="Arial"/>
+        <a:font script="Uigh" typeface="Microsoft Uighur"/>
+        <a:font script="Geor" typeface="Sylfaen"/>
+      </a:minorFont>
+    </a:fontScheme>
+    <a:fmtScheme name="Office">
+      <a:fillStyleLst>
+        <a:solidFill>
+          <a:schemeClr val="phClr"/>
+        </a:solidFill>
+        <a:gradFill rotWithShape="1">
+          <a:gsLst>
+            <a:gs pos="0">
+              <a:schemeClr val="phClr">
+                <a:tint val="50000"/>
+                <a:satMod val="300000"/>
+              </a:schemeClr>
+            </a:gs>
+            <a:gs pos="35000">
+              <a:schemeClr val="phClr">
+                <a:tint val="37000"/>
+                <a:satMod val="300000"/>
+              </a:schemeClr>
+            </a:gs>
+            <a:gs pos="100000">
+              <a:schemeClr val="phClr">
+                <a:tint val="15000"/>
+                <a:satMod val="350000"/>
+              </a:schemeClr>
+            </a:gs>
+          </a:gsLst>
+          <a:lin ang="16200000" scaled="1"/>
+        </a:gradFill>
+        <a:gradFill rotWithShape="1">
+          <a:gsLst>
+            <a:gs pos="0">
+              <a:schemeClr val="phClr">
+                <a:tint val="100000"/>
+                <a:shade val="100000"/>
+                <a:satMod val="130000"/>
+              </a:schemeClr>
+            </a:gs>
+            <a:gs pos="100000">
+              <a:schemeClr val="phClr">
+                <a:tint val="50000"/>
+                <a:shade val="100000"/>
+                <a:satMod val="350000"/>
+              </a:schemeClr>
+            </a:gs>
+          </a:gsLst>
+          <a:lin ang="16200000" scaled="0"/>
+        </a:gradFill>
+      </a:fillStyleLst>
+      <a:lnStyleLst>
+        <a:ln w="9525" cap="flat" cmpd="sng" algn="ctr">
+          <a:solidFill>
+            <a:schemeClr val="phClr">
+              <a:shade val="95000"/>
+              <a:satMod val="105000"/>
+            </a:schemeClr>
+          </a:solidFill>
+          <a:prstDash val="solid"/>
+        </a:ln>
+        <a:ln w="25400" cap="flat" cmpd="sng" algn="ctr">
+          <a:solidFill>
+            <a:schemeClr val="phClr"/>
+          </a:solidFill>
+          <a:prstDash val="solid"/>
+        </a:ln>
+        <a:ln w="38100" cap="flat" cmpd="sng" algn="ctr">
+          <a:solidFill>
+            <a:schemeClr val="phClr"/>
+          </a:solidFill>
+          <a:prstDash val="solid"/>
+        </a:ln>
+      </a:lnStyleLst>
+      <a:effectStyleLst>
+        <a:effectStyle>
+          <a:effectLst>
+            <a:outerShdw blurRad="40000" dist="20000" dir="5400000" rotWithShape="0">
+              <a:srgbClr val="000000">
+                <a:alpha val="38000"/>
+              </a:srgbClr>
+            </a:outerShdw>
+          </a:effectLst>
+        </a:effectStyle>
+        <a:effectStyle>
+          <a:effectLst>
+            <a:outerShdw blurRad="40000" dist="23000" dir="5400000" rotWithShape="0">
+              <a:srgbClr val="000000">
+                <a:alpha val="35000"/>
+              </a:srgbClr>
+            </a:outerShdw>
+          </a:effectLst>
+        </a:effectStyle>
+        <a:effectStyle>
+          <a:effectLst>
+            <a:outerShdw blurRad="40000" dist="23000" dir="5400000" rotWithShape="0">
+              <a:srgbClr val="000000">
+                <a:alpha val="35000"/>
+              </a:srgbClr>
+            </a:outerShdw>
+          </a:effectLst>
+          <a:scene3d>
+            <a:camera prst="orthographicFront">
+              <a:rot lat="0" lon="0" rev="0"/>
+            </a:camera>
+            <a:lightRig rig="threePt" dir="t">
+              <a:rot lat="0" lon="0" rev="1200000"/>
+            </a:lightRig>
+          </a:scene3d>
+          <a:sp3d>
+            <a:bevelT w="63500" h="25400"/>
+          </a:sp3d>
+        </a:effectStyle>
+      </a:effectStyleLst>
+      <a:bgFillStyleLst>
+        <a:solidFill>
+          <a:schemeClr val="phClr"/>
+        </a:solidFill>
+        <a:gradFill rotWithShape="1">
+          <a:gsLst>
+            <a:gs pos="0">
+              <a:schemeClr val="phClr">
+                <a:tint val="40000"/>
+                <a:satMod val="350000"/>
+              </a:schemeClr>
+            </a:gs>
+            <a:gs pos="40000">
+              <a:schemeClr val="phClr">
+                <a:tint val="45000"/>
+                <a:shade val="99000"/>
+                <a:satMod val="350000"/>
+              </a:schemeClr>
+            </a:gs>
+            <a:gs pos="100000">
+              <a:schemeClr val="phClr">
+                <a:shade val="20000"/>
+                <a:satMod val="255000"/>
+              </a:schemeClr>
+            </a:gs>
+          </a:gsLst>
+          <a:path path="circle">
+            <a:fillToRect l="50000" t="-80000" r="50000" b="180000"/>
+          </a:path>
+        </a:gradFill>
+        <a:gradFill rotWithShape="1">
+          <a:gsLst>
+            <a:gs pos="0">
+              <a:schemeClr val="phClr">
+                <a:tint val="80000"/>
+                <a:satMod val="300000"/>
+              </a:schemeClr>
+            </a:gs>
+            <a:gs pos="100000">
+              <a:schemeClr val="phClr">
+                <a:shade val="30000"/>
+                <a:satMod val="200000"/>
+              </a:schemeClr>
+            </a:gs>
+          </a:gsLst>
+          <a:path path="circle">
+            <a:fillToRect l="50000" t="50000" r="50000" b="50000"/>
+          </a:path>
+        </a:gradFill>
+      </a:bgFillStyleLst>
+    </a:fmtScheme>
+  </a:themeElements>
+</a:theme>
+</file>
+
+<file path=ppt/theme/theme2.xml><?xml version="1.0" encoding="utf-8"?>
 <a:theme xmlns:a="http://schemas.openxmlformats.org/drawingml/2006/main" xmlns:r="http://schemas.openxmlformats.org/officeDocument/2006/relationships" name="Custom Theme">
   <a:themeElements>
     <a:clrScheme name="Default">
@@ -7823,283 +8102,4 @@
     </a:fmtScheme>
   </a:themeElements>
 </a:theme>
-</file>
-
-<file path=ppt/theme/theme2.xml><?xml version="1.0" encoding="utf-8"?>
-<a:theme xmlns:a="http://schemas.openxmlformats.org/drawingml/2006/main" xmlns:r="http://schemas.openxmlformats.org/officeDocument/2006/relationships" name="Material">
-  <a:themeElements>
-    <a:clrScheme name="Material">
-      <a:dk1>
-        <a:srgbClr val="4285F4"/>
-      </a:dk1>
-      <a:lt1>
-        <a:srgbClr val="FFFFFF"/>
-      </a:lt1>
-      <a:dk2>
-        <a:srgbClr val="424242"/>
-      </a:dk2>
-      <a:lt2>
-        <a:srgbClr val="737373"/>
-      </a:lt2>
-      <a:accent1>
-        <a:srgbClr val="0277BD"/>
-      </a:accent1>
-      <a:accent2>
-        <a:srgbClr val="0F9D58"/>
-      </a:accent2>
-      <a:accent3>
-        <a:srgbClr val="DB4437"/>
-      </a:accent3>
-      <a:accent4>
-        <a:srgbClr val="FAFAFA"/>
-      </a:accent4>
-      <a:accent5>
-        <a:srgbClr val="4FC3F7"/>
-      </a:accent5>
-      <a:accent6>
-        <a:srgbClr val="F4B400"/>
-      </a:accent6>
-      <a:hlink>
-        <a:srgbClr val="4FC3F7"/>
-      </a:hlink>
-      <a:folHlink>
-        <a:srgbClr val="4FC3F7"/>
-      </a:folHlink>
-    </a:clrScheme>
-    <a:fontScheme name="Office">
-      <a:majorFont>
-        <a:latin typeface="Arial"/>
-        <a:ea typeface=""/>
-        <a:cs typeface=""/>
-        <a:font script="Jpan" typeface="ＭＳ Ｐゴシック"/>
-        <a:font script="Hang" typeface="맑은 고딕"/>
-        <a:font script="Hans" typeface="宋体"/>
-        <a:font script="Hant" typeface="新細明體"/>
-        <a:font script="Arab" typeface="Times New Roman"/>
-        <a:font script="Hebr" typeface="Times New Roman"/>
-        <a:font script="Thai" typeface="Angsana New"/>
-        <a:font script="Ethi" typeface="Nyala"/>
-        <a:font script="Beng" typeface="Vrinda"/>
-        <a:font script="Gujr" typeface="Shruti"/>
-        <a:font script="Khmr" typeface="MoolBoran"/>
-        <a:font script="Knda" typeface="Tunga"/>
-        <a:font script="Guru" typeface="Raavi"/>
-        <a:font script="Cans" typeface="Euphemia"/>
-        <a:font script="Cher" typeface="Plantagenet Cherokee"/>
-        <a:font script="Yiii" typeface="Microsoft Yi Baiti"/>
-        <a:font script="Tibt" typeface="Microsoft Himalaya"/>
-        <a:font script="Thaa" typeface="MV Boli"/>
-        <a:font script="Deva" typeface="Mangal"/>
-        <a:font script="Telu" typeface="Gautami"/>
-        <a:font script="Taml" typeface="Latha"/>
-        <a:font script="Syrc" typeface="Estrangelo Edessa"/>
-        <a:font script="Orya" typeface="Kalinga"/>
-        <a:font script="Mlym" typeface="Kartika"/>
-        <a:font script="Laoo" typeface="DokChampa"/>
-        <a:font script="Sinh" typeface="Iskoola Pota"/>
-        <a:font script="Mong" typeface="Mongolian Baiti"/>
-        <a:font script="Viet" typeface="Times New Roman"/>
-        <a:font script="Uigh" typeface="Microsoft Uighur"/>
-        <a:font script="Geor" typeface="Sylfaen"/>
-      </a:majorFont>
-      <a:minorFont>
-        <a:latin typeface="Arial"/>
-        <a:ea typeface=""/>
-        <a:cs typeface=""/>
-        <a:font script="Jpan" typeface="ＭＳ Ｐゴシック"/>
-        <a:font script="Hang" typeface="맑은 고딕"/>
-        <a:font script="Hans" typeface="宋体"/>
-        <a:font script="Hant" typeface="新細明體"/>
-        <a:font script="Arab" typeface="Arial"/>
-        <a:font script="Hebr" typeface="Arial"/>
-        <a:font script="Thai" typeface="Cordia New"/>
-        <a:font script="Ethi" typeface="Nyala"/>
-        <a:font script="Beng" typeface="Vrinda"/>
-        <a:font script="Gujr" typeface="Shruti"/>
-        <a:font script="Khmr" typeface="DaunPenh"/>
-        <a:font script="Knda" typeface="Tunga"/>
-        <a:font script="Guru" typeface="Raavi"/>
-        <a:font script="Cans" typeface="Euphemia"/>
-        <a:font script="Cher" typeface="Plantagenet Cherokee"/>
-        <a:font script="Yiii" typeface="Microsoft Yi Baiti"/>
-        <a:font script="Tibt" typeface="Microsoft Himalaya"/>
-        <a:font script="Thaa" typeface="MV Boli"/>
-        <a:font script="Deva" typeface="Mangal"/>
-        <a:font script="Telu" typeface="Gautami"/>
-        <a:font script="Taml" typeface="Latha"/>
-        <a:font script="Syrc" typeface="Estrangelo Edessa"/>
-        <a:font script="Orya" typeface="Kalinga"/>
-        <a:font script="Mlym" typeface="Kartika"/>
-        <a:font script="Laoo" typeface="DokChampa"/>
-        <a:font script="Sinh" typeface="Iskoola Pota"/>
-        <a:font script="Mong" typeface="Mongolian Baiti"/>
-        <a:font script="Viet" typeface="Arial"/>
-        <a:font script="Uigh" typeface="Microsoft Uighur"/>
-        <a:font script="Geor" typeface="Sylfaen"/>
-      </a:minorFont>
-    </a:fontScheme>
-    <a:fmtScheme name="Office">
-      <a:fillStyleLst>
-        <a:solidFill>
-          <a:schemeClr val="phClr"/>
-        </a:solidFill>
-        <a:gradFill rotWithShape="1">
-          <a:gsLst>
-            <a:gs pos="0">
-              <a:schemeClr val="phClr">
-                <a:tint val="50000"/>
-                <a:satMod val="300000"/>
-              </a:schemeClr>
-            </a:gs>
-            <a:gs pos="35000">
-              <a:schemeClr val="phClr">
-                <a:tint val="37000"/>
-                <a:satMod val="300000"/>
-              </a:schemeClr>
-            </a:gs>
-            <a:gs pos="100000">
-              <a:schemeClr val="phClr">
-                <a:tint val="15000"/>
-                <a:satMod val="350000"/>
-              </a:schemeClr>
-            </a:gs>
-          </a:gsLst>
-          <a:lin ang="16200000" scaled="1"/>
-        </a:gradFill>
-        <a:gradFill rotWithShape="1">
-          <a:gsLst>
-            <a:gs pos="0">
-              <a:schemeClr val="phClr">
-                <a:tint val="100000"/>
-                <a:shade val="100000"/>
-                <a:satMod val="130000"/>
-              </a:schemeClr>
-            </a:gs>
-            <a:gs pos="100000">
-              <a:schemeClr val="phClr">
-                <a:tint val="50000"/>
-                <a:shade val="100000"/>
-                <a:satMod val="350000"/>
-              </a:schemeClr>
-            </a:gs>
-          </a:gsLst>
-          <a:lin ang="16200000" scaled="0"/>
-        </a:gradFill>
-      </a:fillStyleLst>
-      <a:lnStyleLst>
-        <a:ln w="9525" cap="flat" cmpd="sng" algn="ctr">
-          <a:solidFill>
-            <a:schemeClr val="phClr">
-              <a:shade val="95000"/>
-              <a:satMod val="105000"/>
-            </a:schemeClr>
-          </a:solidFill>
-          <a:prstDash val="solid"/>
-        </a:ln>
-        <a:ln w="25400" cap="flat" cmpd="sng" algn="ctr">
-          <a:solidFill>
-            <a:schemeClr val="phClr"/>
-          </a:solidFill>
-          <a:prstDash val="solid"/>
-        </a:ln>
-        <a:ln w="38100" cap="flat" cmpd="sng" algn="ctr">
-          <a:solidFill>
-            <a:schemeClr val="phClr"/>
-          </a:solidFill>
-          <a:prstDash val="solid"/>
-        </a:ln>
-      </a:lnStyleLst>
-      <a:effectStyleLst>
-        <a:effectStyle>
-          <a:effectLst>
-            <a:outerShdw blurRad="40000" dist="20000" dir="5400000" rotWithShape="0">
-              <a:srgbClr val="000000">
-                <a:alpha val="38000"/>
-              </a:srgbClr>
-            </a:outerShdw>
-          </a:effectLst>
-        </a:effectStyle>
-        <a:effectStyle>
-          <a:effectLst>
-            <a:outerShdw blurRad="40000" dist="23000" dir="5400000" rotWithShape="0">
-              <a:srgbClr val="000000">
-                <a:alpha val="35000"/>
-              </a:srgbClr>
-            </a:outerShdw>
-          </a:effectLst>
-        </a:effectStyle>
-        <a:effectStyle>
-          <a:effectLst>
-            <a:outerShdw blurRad="40000" dist="23000" dir="5400000" rotWithShape="0">
-              <a:srgbClr val="000000">
-                <a:alpha val="35000"/>
-              </a:srgbClr>
-            </a:outerShdw>
-          </a:effectLst>
-          <a:scene3d>
-            <a:camera prst="orthographicFront">
-              <a:rot lat="0" lon="0" rev="0"/>
-            </a:camera>
-            <a:lightRig rig="threePt" dir="t">
-              <a:rot lat="0" lon="0" rev="1200000"/>
-            </a:lightRig>
-          </a:scene3d>
-          <a:sp3d>
-            <a:bevelT w="63500" h="25400"/>
-          </a:sp3d>
-        </a:effectStyle>
-      </a:effectStyleLst>
-      <a:bgFillStyleLst>
-        <a:solidFill>
-          <a:schemeClr val="phClr"/>
-        </a:solidFill>
-        <a:gradFill rotWithShape="1">
-          <a:gsLst>
-            <a:gs pos="0">
-              <a:schemeClr val="phClr">
-                <a:tint val="40000"/>
-                <a:satMod val="350000"/>
-              </a:schemeClr>
-            </a:gs>
-            <a:gs pos="40000">
-              <a:schemeClr val="phClr">
-                <a:tint val="45000"/>
-                <a:shade val="99000"/>
-                <a:satMod val="350000"/>
-              </a:schemeClr>
-            </a:gs>
-            <a:gs pos="100000">
-              <a:schemeClr val="phClr">
-                <a:shade val="20000"/>
-                <a:satMod val="255000"/>
-              </a:schemeClr>
-            </a:gs>
-          </a:gsLst>
-          <a:path path="circle">
-            <a:fillToRect l="50000" t="-80000" r="50000" b="180000"/>
-          </a:path>
-        </a:gradFill>
-        <a:gradFill rotWithShape="1">
-          <a:gsLst>
-            <a:gs pos="0">
-              <a:schemeClr val="phClr">
-                <a:tint val="80000"/>
-                <a:satMod val="300000"/>
-              </a:schemeClr>
-            </a:gs>
-            <a:gs pos="100000">
-              <a:schemeClr val="phClr">
-                <a:shade val="30000"/>
-                <a:satMod val="200000"/>
-              </a:schemeClr>
-            </a:gs>
-          </a:gsLst>
-          <a:path path="circle">
-            <a:fillToRect l="50000" t="50000" r="50000" b="50000"/>
-          </a:path>
-        </a:gradFill>
-      </a:bgFillStyleLst>
-    </a:fmtScheme>
-  </a:themeElements>
-</a:theme>
 </file>
--- a/Planning/1-18-2018/Initial Presentation.pptx
+++ b/Planning/1-18-2018/Initial Presentation.pptx
@@ -511,7 +511,8 @@
               <a:buNone/>
             </a:pPr>
             <a:r>
-              <a:t/>
+              <a:rPr lang="en"/>
+              <a:t>Steven</a:t>
             </a:r>
             <a:endParaRPr/>
           </a:p>
@@ -629,7 +630,7 @@
   <p:cSld>
     <p:spTree>
       <p:nvGrpSpPr>
-        <p:cNvPr id="77" name="Shape 77"/>
+        <p:cNvPr id="79" name="Shape 79"/>
         <p:cNvGrpSpPr/>
         <p:nvPr/>
       </p:nvGrpSpPr>
@@ -643,7 +644,7 @@
       </p:grpSpPr>
       <p:sp>
         <p:nvSpPr>
-          <p:cNvPr id="78" name="Shape 78"/>
+          <p:cNvPr id="80" name="Shape 80"/>
           <p:cNvSpPr/>
           <p:nvPr>
             <p:ph idx="2" type="sldImg"/>
@@ -677,7 +678,7 @@
       </p:sp>
       <p:sp>
         <p:nvSpPr>
-          <p:cNvPr id="79" name="Shape 79"/>
+          <p:cNvPr id="81" name="Shape 81"/>
           <p:cNvSpPr txBox="1"/>
           <p:nvPr>
             <p:ph idx="1" type="body"/>
@@ -728,7 +729,7 @@
   <p:cSld>
     <p:spTree>
       <p:nvGrpSpPr>
-        <p:cNvPr id="83" name="Shape 83"/>
+        <p:cNvPr id="85" name="Shape 85"/>
         <p:cNvGrpSpPr/>
         <p:nvPr/>
       </p:nvGrpSpPr>
@@ -742,7 +743,7 @@
       </p:grpSpPr>
       <p:sp>
         <p:nvSpPr>
-          <p:cNvPr id="84" name="Shape 84"/>
+          <p:cNvPr id="86" name="Shape 86"/>
           <p:cNvSpPr/>
           <p:nvPr>
             <p:ph idx="2" type="sldImg"/>
@@ -776,7 +777,7 @@
       </p:sp>
       <p:sp>
         <p:nvSpPr>
-          <p:cNvPr id="85" name="Shape 85"/>
+          <p:cNvPr id="87" name="Shape 87"/>
           <p:cNvSpPr txBox="1"/>
           <p:nvPr>
             <p:ph idx="1" type="body"/>
@@ -827,7 +828,7 @@
   <p:cSld>
     <p:spTree>
       <p:nvGrpSpPr>
-        <p:cNvPr id="89" name="Shape 89"/>
+        <p:cNvPr id="91" name="Shape 91"/>
         <p:cNvGrpSpPr/>
         <p:nvPr/>
       </p:nvGrpSpPr>
@@ -841,7 +842,7 @@
       </p:grpSpPr>
       <p:sp>
         <p:nvSpPr>
-          <p:cNvPr id="90" name="Shape 90"/>
+          <p:cNvPr id="92" name="Shape 92"/>
           <p:cNvSpPr/>
           <p:nvPr>
             <p:ph idx="2" type="sldImg"/>
@@ -875,7 +876,7 @@
       </p:sp>
       <p:sp>
         <p:nvSpPr>
-          <p:cNvPr id="91" name="Shape 91"/>
+          <p:cNvPr id="93" name="Shape 93"/>
           <p:cNvSpPr txBox="1"/>
           <p:nvPr>
             <p:ph idx="1" type="body"/>
@@ -926,7 +927,7 @@
   <p:cSld>
     <p:spTree>
       <p:nvGrpSpPr>
-        <p:cNvPr id="95" name="Shape 95"/>
+        <p:cNvPr id="97" name="Shape 97"/>
         <p:cNvGrpSpPr/>
         <p:nvPr/>
       </p:nvGrpSpPr>
@@ -940,7 +941,7 @@
       </p:grpSpPr>
       <p:sp>
         <p:nvSpPr>
-          <p:cNvPr id="96" name="Shape 96"/>
+          <p:cNvPr id="98" name="Shape 98"/>
           <p:cNvSpPr/>
           <p:nvPr>
             <p:ph idx="2" type="sldImg"/>
@@ -974,7 +975,7 @@
       </p:sp>
       <p:sp>
         <p:nvSpPr>
-          <p:cNvPr id="97" name="Shape 97"/>
+          <p:cNvPr id="99" name="Shape 99"/>
           <p:cNvSpPr txBox="1"/>
           <p:nvPr>
             <p:ph idx="1" type="body"/>
@@ -1025,7 +1026,7 @@
   <p:cSld>
     <p:spTree>
       <p:nvGrpSpPr>
-        <p:cNvPr id="101" name="Shape 101"/>
+        <p:cNvPr id="103" name="Shape 103"/>
         <p:cNvGrpSpPr/>
         <p:nvPr/>
       </p:nvGrpSpPr>
@@ -1039,7 +1040,7 @@
       </p:grpSpPr>
       <p:sp>
         <p:nvSpPr>
-          <p:cNvPr id="102" name="Shape 102"/>
+          <p:cNvPr id="104" name="Shape 104"/>
           <p:cNvSpPr/>
           <p:nvPr>
             <p:ph idx="2" type="sldImg"/>
@@ -1073,7 +1074,7 @@
       </p:sp>
       <p:sp>
         <p:nvSpPr>
-          <p:cNvPr id="103" name="Shape 103"/>
+          <p:cNvPr id="105" name="Shape 105"/>
           <p:cNvSpPr txBox="1"/>
           <p:nvPr>
             <p:ph idx="1" type="body"/>
@@ -1124,7 +1125,7 @@
   <p:cSld>
     <p:spTree>
       <p:nvGrpSpPr>
-        <p:cNvPr id="107" name="Shape 107"/>
+        <p:cNvPr id="109" name="Shape 109"/>
         <p:cNvGrpSpPr/>
         <p:nvPr/>
       </p:nvGrpSpPr>
@@ -1138,7 +1139,7 @@
       </p:grpSpPr>
       <p:sp>
         <p:nvSpPr>
-          <p:cNvPr id="108" name="Shape 108"/>
+          <p:cNvPr id="110" name="Shape 110"/>
           <p:cNvSpPr/>
           <p:nvPr>
             <p:ph idx="2" type="sldImg"/>
@@ -1172,7 +1173,7 @@
       </p:sp>
       <p:sp>
         <p:nvSpPr>
-          <p:cNvPr id="109" name="Shape 109"/>
+          <p:cNvPr id="111" name="Shape 111"/>
           <p:cNvSpPr txBox="1"/>
           <p:nvPr>
             <p:ph idx="1" type="body"/>
@@ -1203,7 +1204,8 @@
               <a:buNone/>
             </a:pPr>
             <a:r>
-              <a:t/>
+              <a:rPr lang="en"/>
+              <a:t>drew</a:t>
             </a:r>
             <a:endParaRPr/>
           </a:p>
@@ -6602,7 +6604,7 @@
         <p:spPr>
           <a:xfrm>
             <a:off x="471900" y="1919075"/>
-            <a:ext cx="8222100" cy="2710200"/>
+            <a:ext cx="4120200" cy="2710200"/>
           </a:xfrm>
           <a:prstGeom prst="rect">
             <a:avLst/>
@@ -6625,7 +6627,7 @@
             </a:pPr>
             <a:r>
               <a:rPr lang="en"/>
-              <a:t>As job search/hunt becomes more accessible to the public through the internet, there needs to be an effective way to manage job applications.</a:t>
+              <a:t>As job search becomes more accessible to everyone, there needs to be an effective way to manage job applications.</a:t>
             </a:r>
             <a:endParaRPr/>
           </a:p>
@@ -6642,6 +6644,81 @@
             <a:r>
               <a:rPr lang="en"/>
               <a:t>Therefore, we intend to create a web application that helps users organize and keep track of job applications in an efficient manner.</a:t>
+            </a:r>
+            <a:endParaRPr/>
+          </a:p>
+        </p:txBody>
+      </p:sp>
+      <p:pic>
+        <p:nvPicPr>
+          <p:cNvPr id="77" name="Shape 77"/>
+          <p:cNvPicPr preferRelativeResize="0"/>
+          <p:nvPr/>
+        </p:nvPicPr>
+        <p:blipFill>
+          <a:blip r:embed="rId3">
+            <a:alphaModFix/>
+          </a:blip>
+          <a:stretch>
+            <a:fillRect/>
+          </a:stretch>
+        </p:blipFill>
+        <p:spPr>
+          <a:xfrm>
+            <a:off x="4682350" y="1852100"/>
+            <a:ext cx="4120199" cy="2322804"/>
+          </a:xfrm>
+          <a:prstGeom prst="rect">
+            <a:avLst/>
+          </a:prstGeom>
+          <a:noFill/>
+          <a:ln>
+            <a:noFill/>
+          </a:ln>
+        </p:spPr>
+      </p:pic>
+      <p:sp>
+        <p:nvSpPr>
+          <p:cNvPr id="78" name="Shape 78"/>
+          <p:cNvSpPr txBox="1"/>
+          <p:nvPr/>
+        </p:nvSpPr>
+        <p:spPr>
+          <a:xfrm>
+            <a:off x="5394150" y="4339400"/>
+            <a:ext cx="2566800" cy="673800"/>
+          </a:xfrm>
+          <a:prstGeom prst="rect">
+            <a:avLst/>
+          </a:prstGeom>
+          <a:noFill/>
+          <a:ln>
+            <a:noFill/>
+          </a:ln>
+        </p:spPr>
+        <p:txBody>
+          <a:bodyPr anchorCtr="0" anchor="t" bIns="91425" lIns="91425" spcFirstLastPara="1" rIns="91425" wrap="square" tIns="91425">
+            <a:noAutofit/>
+          </a:bodyPr>
+          <a:lstStyle/>
+          <a:p>
+            <a:pPr indent="0" lvl="0" marL="0" algn="ctr">
+              <a:spcBef>
+                <a:spcPts val="0"/>
+              </a:spcBef>
+              <a:spcAft>
+                <a:spcPts val="0"/>
+              </a:spcAft>
+              <a:buNone/>
+            </a:pPr>
+            <a:r>
+              <a:rPr lang="en" u="sng">
+                <a:solidFill>
+                  <a:schemeClr val="hlink"/>
+                </a:solidFill>
+                <a:hlinkClick r:id="rId4"/>
+              </a:rPr>
+              <a:t>Mockup</a:t>
             </a:r>
             <a:endParaRPr/>
           </a:p>
@@ -6660,7 +6737,7 @@
   <p:cSld>
     <p:spTree>
       <p:nvGrpSpPr>
-        <p:cNvPr id="80" name="Shape 80"/>
+        <p:cNvPr id="82" name="Shape 82"/>
         <p:cNvGrpSpPr/>
         <p:nvPr/>
       </p:nvGrpSpPr>
@@ -6674,7 +6751,7 @@
       </p:grpSpPr>
       <p:sp>
         <p:nvSpPr>
-          <p:cNvPr id="81" name="Shape 81"/>
+          <p:cNvPr id="83" name="Shape 83"/>
           <p:cNvSpPr txBox="1"/>
           <p:nvPr>
             <p:ph type="title"/>
@@ -6714,7 +6791,7 @@
       </p:sp>
       <p:sp>
         <p:nvSpPr>
-          <p:cNvPr id="82" name="Shape 82"/>
+          <p:cNvPr id="84" name="Shape 84"/>
           <p:cNvSpPr txBox="1"/>
           <p:nvPr>
             <p:ph idx="1" type="body"/>
@@ -6801,7 +6878,7 @@
   <p:cSld>
     <p:spTree>
       <p:nvGrpSpPr>
-        <p:cNvPr id="86" name="Shape 86"/>
+        <p:cNvPr id="88" name="Shape 88"/>
         <p:cNvGrpSpPr/>
         <p:nvPr/>
       </p:nvGrpSpPr>
@@ -6815,7 +6892,7 @@
       </p:grpSpPr>
       <p:sp>
         <p:nvSpPr>
-          <p:cNvPr id="87" name="Shape 87"/>
+          <p:cNvPr id="89" name="Shape 89"/>
           <p:cNvSpPr txBox="1"/>
           <p:nvPr>
             <p:ph type="title"/>
@@ -6855,7 +6932,7 @@
       </p:sp>
       <p:sp>
         <p:nvSpPr>
-          <p:cNvPr id="88" name="Shape 88"/>
+          <p:cNvPr id="90" name="Shape 90"/>
           <p:cNvSpPr txBox="1"/>
           <p:nvPr>
             <p:ph idx="1" type="body"/>
@@ -6946,7 +7023,7 @@
   <p:cSld>
     <p:spTree>
       <p:nvGrpSpPr>
-        <p:cNvPr id="92" name="Shape 92"/>
+        <p:cNvPr id="94" name="Shape 94"/>
         <p:cNvGrpSpPr/>
         <p:nvPr/>
       </p:nvGrpSpPr>
@@ -6960,7 +7037,7 @@
       </p:grpSpPr>
       <p:sp>
         <p:nvSpPr>
-          <p:cNvPr id="93" name="Shape 93"/>
+          <p:cNvPr id="95" name="Shape 95"/>
           <p:cNvSpPr txBox="1"/>
           <p:nvPr>
             <p:ph type="title"/>
@@ -7000,7 +7077,7 @@
       </p:sp>
       <p:sp>
         <p:nvSpPr>
-          <p:cNvPr id="94" name="Shape 94"/>
+          <p:cNvPr id="96" name="Shape 96"/>
           <p:cNvSpPr txBox="1"/>
           <p:nvPr>
             <p:ph idx="1" type="body"/>
@@ -7132,7 +7209,7 @@
   <p:cSld>
     <p:spTree>
       <p:nvGrpSpPr>
-        <p:cNvPr id="98" name="Shape 98"/>
+        <p:cNvPr id="100" name="Shape 100"/>
         <p:cNvGrpSpPr/>
         <p:nvPr/>
       </p:nvGrpSpPr>
@@ -7146,7 +7223,7 @@
       </p:grpSpPr>
       <p:sp>
         <p:nvSpPr>
-          <p:cNvPr id="99" name="Shape 99"/>
+          <p:cNvPr id="101" name="Shape 101"/>
           <p:cNvSpPr txBox="1"/>
           <p:nvPr>
             <p:ph type="title"/>
@@ -7186,7 +7263,7 @@
       </p:sp>
       <p:sp>
         <p:nvSpPr>
-          <p:cNvPr id="100" name="Shape 100"/>
+          <p:cNvPr id="102" name="Shape 102"/>
           <p:cNvSpPr txBox="1"/>
           <p:nvPr>
             <p:ph idx="1" type="body"/>
@@ -7224,6 +7301,42 @@
                 <a:hlinkClick r:id="rId3"/>
               </a:rPr>
               <a:t>https://drive.google.com/file/d/1pFiBeZSNbMhPCwef9R88q2JurUQJCwfH/view?usp=sharing</a:t>
+            </a:r>
+            <a:endParaRPr/>
+          </a:p>
+          <a:p>
+            <a:pPr indent="0" lvl="0" marL="0">
+              <a:spcBef>
+                <a:spcPts val="1600"/>
+              </a:spcBef>
+              <a:spcAft>
+                <a:spcPts val="0"/>
+              </a:spcAft>
+              <a:buNone/>
+            </a:pPr>
+            <a:r>
+              <a:rPr lang="en" u="sng">
+                <a:solidFill>
+                  <a:schemeClr val="hlink"/>
+                </a:solidFill>
+                <a:hlinkClick r:id="rId4"/>
+              </a:rPr>
+              <a:t>https://www.figma.com/file/fzAR0uvRmJXK7BZ9L2YOoEsE/CS115-Job-App-Organizer</a:t>
+            </a:r>
+            <a:endParaRPr/>
+          </a:p>
+          <a:p>
+            <a:pPr indent="0" lvl="0" marL="0">
+              <a:spcBef>
+                <a:spcPts val="1600"/>
+              </a:spcBef>
+              <a:spcAft>
+                <a:spcPts val="0"/>
+              </a:spcAft>
+              <a:buNone/>
+            </a:pPr>
+            <a:r>
+              <a:t/>
             </a:r>
             <a:endParaRPr/>
           </a:p>
@@ -7257,7 +7370,7 @@
   <p:cSld>
     <p:spTree>
       <p:nvGrpSpPr>
-        <p:cNvPr id="104" name="Shape 104"/>
+        <p:cNvPr id="106" name="Shape 106"/>
         <p:cNvGrpSpPr/>
         <p:nvPr/>
       </p:nvGrpSpPr>
@@ -7271,7 +7384,7 @@
       </p:grpSpPr>
       <p:sp>
         <p:nvSpPr>
-          <p:cNvPr id="105" name="Shape 105"/>
+          <p:cNvPr id="107" name="Shape 107"/>
           <p:cNvSpPr txBox="1"/>
           <p:nvPr>
             <p:ph type="title"/>
@@ -7311,7 +7424,7 @@
       </p:sp>
       <p:sp>
         <p:nvSpPr>
-          <p:cNvPr id="106" name="Shape 106"/>
+          <p:cNvPr id="108" name="Shape 108"/>
           <p:cNvSpPr txBox="1"/>
           <p:nvPr>
             <p:ph idx="1" type="body"/>
@@ -7414,7 +7527,7 @@
   <p:cSld>
     <p:spTree>
       <p:nvGrpSpPr>
-        <p:cNvPr id="110" name="Shape 110"/>
+        <p:cNvPr id="112" name="Shape 112"/>
         <p:cNvGrpSpPr/>
         <p:nvPr/>
       </p:nvGrpSpPr>
@@ -7428,7 +7541,7 @@
       </p:grpSpPr>
       <p:sp>
         <p:nvSpPr>
-          <p:cNvPr id="111" name="Shape 111"/>
+          <p:cNvPr id="113" name="Shape 113"/>
           <p:cNvSpPr txBox="1"/>
           <p:nvPr>
             <p:ph type="title"/>
@@ -7468,7 +7581,7 @@
       </p:sp>
       <p:sp>
         <p:nvSpPr>
-          <p:cNvPr id="112" name="Shape 112"/>
+          <p:cNvPr id="114" name="Shape 114"/>
           <p:cNvSpPr txBox="1"/>
           <p:nvPr>
             <p:ph idx="1" type="body"/>
@@ -7538,6 +7651,90 @@
           </a:p>
         </p:txBody>
       </p:sp>
+      <p:pic>
+        <p:nvPicPr>
+          <p:cNvPr id="115" name="Shape 115"/>
+          <p:cNvPicPr preferRelativeResize="0"/>
+          <p:nvPr/>
+        </p:nvPicPr>
+        <p:blipFill>
+          <a:blip r:embed="rId3">
+            <a:alphaModFix/>
+          </a:blip>
+          <a:stretch>
+            <a:fillRect/>
+          </a:stretch>
+        </p:blipFill>
+        <p:spPr>
+          <a:xfrm>
+            <a:off x="7687775" y="4161425"/>
+            <a:ext cx="1214424" cy="858199"/>
+          </a:xfrm>
+          <a:prstGeom prst="rect">
+            <a:avLst/>
+          </a:prstGeom>
+          <a:noFill/>
+          <a:ln>
+            <a:noFill/>
+          </a:ln>
+        </p:spPr>
+      </p:pic>
+      <p:pic>
+        <p:nvPicPr>
+          <p:cNvPr id="116" name="Shape 116"/>
+          <p:cNvPicPr preferRelativeResize="0"/>
+          <p:nvPr/>
+        </p:nvPicPr>
+        <p:blipFill>
+          <a:blip r:embed="rId4">
+            <a:alphaModFix/>
+          </a:blip>
+          <a:stretch>
+            <a:fillRect/>
+          </a:stretch>
+        </p:blipFill>
+        <p:spPr>
+          <a:xfrm>
+            <a:off x="1" y="4108650"/>
+            <a:ext cx="1716398" cy="858199"/>
+          </a:xfrm>
+          <a:prstGeom prst="rect">
+            <a:avLst/>
+          </a:prstGeom>
+          <a:noFill/>
+          <a:ln>
+            <a:noFill/>
+          </a:ln>
+        </p:spPr>
+      </p:pic>
+      <p:pic>
+        <p:nvPicPr>
+          <p:cNvPr id="117" name="Shape 117"/>
+          <p:cNvPicPr preferRelativeResize="0"/>
+          <p:nvPr/>
+        </p:nvPicPr>
+        <p:blipFill>
+          <a:blip r:embed="rId5">
+            <a:alphaModFix/>
+          </a:blip>
+          <a:stretch>
+            <a:fillRect/>
+          </a:stretch>
+        </p:blipFill>
+        <p:spPr>
+          <a:xfrm>
+            <a:off x="2805900" y="4161432"/>
+            <a:ext cx="3159299" cy="858201"/>
+          </a:xfrm>
+          <a:prstGeom prst="rect">
+            <a:avLst/>
+          </a:prstGeom>
+          <a:noFill/>
+          <a:ln>
+            <a:noFill/>
+          </a:ln>
+        </p:spPr>
+      </p:pic>
     </p:spTree>
   </p:cSld>
   <p:clrMapOvr>
